--- a/Info2Präsi.pptx
+++ b/Info2Präsi.pptx
@@ -14,8 +14,8 @@
     <p:sldId id="263" r:id="rId5"/>
     <p:sldId id="258" r:id="rId6"/>
     <p:sldId id="264" r:id="rId7"/>
-    <p:sldId id="265" r:id="rId8"/>
-    <p:sldId id="266" r:id="rId9"/>
+    <p:sldId id="266" r:id="rId8"/>
+    <p:sldId id="265" r:id="rId9"/>
     <p:sldId id="259" r:id="rId10"/>
     <p:sldId id="260" r:id="rId11"/>
   </p:sldIdLst>
@@ -116,6 +116,11 @@
       </a:defRPr>
     </a:lvl9pPr>
   </p:defaultTextStyle>
+  <p:extLst>
+    <p:ext uri="{EFAFB233-063F-42B5-8137-9DF3F51BA10A}">
+      <p15:sldGuideLst xmlns:p15="http://schemas.microsoft.com/office/powerpoint/2012/main"/>
+    </p:ext>
+  </p:extLst>
 </p:presentation>
 </file>
 
@@ -201,7 +206,7 @@
           <a:p>
             <a:fld id="{24A96B11-A4C9-4773-B634-E9A40DCB7250}" type="datetimeFigureOut">
               <a:rPr lang="de-DE" smtClean="0"/>
-              <a:t>26.02.2017</a:t>
+              <a:t>06.03.2017</a:t>
             </a:fld>
             <a:endParaRPr lang="de-DE"/>
           </a:p>
@@ -296,7 +301,6 @@
               <a:rPr lang="de-DE"/>
               <a:t>Fünfte Ebene</a:t>
             </a:r>
-            <a:endParaRPr lang="de-DE"/>
           </a:p>
         </p:txBody>
       </p:sp>
@@ -514,7 +518,6 @@
               <a:rPr lang="de-DE"/>
               <a:t>Titelmasterformat durch Klicken bearbeiten</a:t>
             </a:r>
-            <a:endParaRPr lang="de-DE"/>
           </a:p>
         </p:txBody>
       </p:sp>
@@ -579,7 +582,6 @@
               <a:rPr lang="de-DE"/>
               <a:t>Formatvorlage des Untertitelmasters durch Klicken bearbeiten</a:t>
             </a:r>
-            <a:endParaRPr lang="de-DE"/>
           </a:p>
         </p:txBody>
       </p:sp>
@@ -600,7 +602,7 @@
           <a:p>
             <a:fld id="{5F3A38EC-96F4-4AA0-B65D-B2067C2A36B9}" type="datetimeFigureOut">
               <a:rPr lang="de-DE" smtClean="0"/>
-              <a:t>26.02.2017</a:t>
+              <a:t>06.03.2017</a:t>
             </a:fld>
             <a:endParaRPr lang="de-DE"/>
           </a:p>
@@ -697,7 +699,6 @@
               <a:rPr lang="de-DE"/>
               <a:t>Titelmasterformat durch Klicken bearbeiten</a:t>
             </a:r>
-            <a:endParaRPr lang="de-DE"/>
           </a:p>
         </p:txBody>
       </p:sp>
@@ -749,7 +750,6 @@
               <a:rPr lang="de-DE"/>
               <a:t>Fünfte Ebene</a:t>
             </a:r>
-            <a:endParaRPr lang="de-DE"/>
           </a:p>
         </p:txBody>
       </p:sp>
@@ -770,7 +770,7 @@
           <a:p>
             <a:fld id="{5F3A38EC-96F4-4AA0-B65D-B2067C2A36B9}" type="datetimeFigureOut">
               <a:rPr lang="de-DE" smtClean="0"/>
-              <a:t>26.02.2017</a:t>
+              <a:t>06.03.2017</a:t>
             </a:fld>
             <a:endParaRPr lang="de-DE"/>
           </a:p>
@@ -872,7 +872,6 @@
               <a:rPr lang="de-DE"/>
               <a:t>Titelmasterformat durch Klicken bearbeiten</a:t>
             </a:r>
-            <a:endParaRPr lang="de-DE"/>
           </a:p>
         </p:txBody>
       </p:sp>
@@ -929,7 +928,6 @@
               <a:rPr lang="de-DE"/>
               <a:t>Fünfte Ebene</a:t>
             </a:r>
-            <a:endParaRPr lang="de-DE"/>
           </a:p>
         </p:txBody>
       </p:sp>
@@ -950,7 +948,7 @@
           <a:p>
             <a:fld id="{5F3A38EC-96F4-4AA0-B65D-B2067C2A36B9}" type="datetimeFigureOut">
               <a:rPr lang="de-DE" smtClean="0"/>
-              <a:t>26.02.2017</a:t>
+              <a:t>06.03.2017</a:t>
             </a:fld>
             <a:endParaRPr lang="de-DE"/>
           </a:p>
@@ -1047,7 +1045,6 @@
               <a:rPr lang="de-DE"/>
               <a:t>Titelmasterformat durch Klicken bearbeiten</a:t>
             </a:r>
-            <a:endParaRPr lang="de-DE"/>
           </a:p>
         </p:txBody>
       </p:sp>
@@ -1099,7 +1096,6 @@
               <a:rPr lang="de-DE"/>
               <a:t>Fünfte Ebene</a:t>
             </a:r>
-            <a:endParaRPr lang="de-DE"/>
           </a:p>
         </p:txBody>
       </p:sp>
@@ -1120,7 +1116,7 @@
           <a:p>
             <a:fld id="{5F3A38EC-96F4-4AA0-B65D-B2067C2A36B9}" type="datetimeFigureOut">
               <a:rPr lang="de-DE" smtClean="0"/>
-              <a:t>26.02.2017</a:t>
+              <a:t>06.03.2017</a:t>
             </a:fld>
             <a:endParaRPr lang="de-DE"/>
           </a:p>
@@ -1226,7 +1222,6 @@
               <a:rPr lang="de-DE"/>
               <a:t>Titelmasterformat durch Klicken bearbeiten</a:t>
             </a:r>
-            <a:endParaRPr lang="de-DE"/>
           </a:p>
         </p:txBody>
       </p:sp>
@@ -1366,7 +1361,7 @@
           <a:p>
             <a:fld id="{5F3A38EC-96F4-4AA0-B65D-B2067C2A36B9}" type="datetimeFigureOut">
               <a:rPr lang="de-DE" smtClean="0"/>
-              <a:t>26.02.2017</a:t>
+              <a:t>06.03.2017</a:t>
             </a:fld>
             <a:endParaRPr lang="de-DE"/>
           </a:p>
@@ -1463,7 +1458,6 @@
               <a:rPr lang="de-DE"/>
               <a:t>Titelmasterformat durch Klicken bearbeiten</a:t>
             </a:r>
-            <a:endParaRPr lang="de-DE"/>
           </a:p>
         </p:txBody>
       </p:sp>
@@ -1520,7 +1514,6 @@
               <a:rPr lang="de-DE"/>
               <a:t>Fünfte Ebene</a:t>
             </a:r>
-            <a:endParaRPr lang="de-DE"/>
           </a:p>
         </p:txBody>
       </p:sp>
@@ -1577,7 +1570,6 @@
               <a:rPr lang="de-DE"/>
               <a:t>Fünfte Ebene</a:t>
             </a:r>
-            <a:endParaRPr lang="de-DE"/>
           </a:p>
         </p:txBody>
       </p:sp>
@@ -1598,7 +1590,7 @@
           <a:p>
             <a:fld id="{5F3A38EC-96F4-4AA0-B65D-B2067C2A36B9}" type="datetimeFigureOut">
               <a:rPr lang="de-DE" smtClean="0"/>
-              <a:t>26.02.2017</a:t>
+              <a:t>06.03.2017</a:t>
             </a:fld>
             <a:endParaRPr lang="de-DE"/>
           </a:p>
@@ -1700,7 +1692,6 @@
               <a:rPr lang="de-DE"/>
               <a:t>Titelmasterformat durch Klicken bearbeiten</a:t>
             </a:r>
-            <a:endParaRPr lang="de-DE"/>
           </a:p>
         </p:txBody>
       </p:sp>
@@ -1822,7 +1813,6 @@
               <a:rPr lang="de-DE"/>
               <a:t>Fünfte Ebene</a:t>
             </a:r>
-            <a:endParaRPr lang="de-DE"/>
           </a:p>
         </p:txBody>
       </p:sp>
@@ -1944,7 +1934,6 @@
               <a:rPr lang="de-DE"/>
               <a:t>Fünfte Ebene</a:t>
             </a:r>
-            <a:endParaRPr lang="de-DE"/>
           </a:p>
         </p:txBody>
       </p:sp>
@@ -1965,7 +1954,7 @@
           <a:p>
             <a:fld id="{5F3A38EC-96F4-4AA0-B65D-B2067C2A36B9}" type="datetimeFigureOut">
               <a:rPr lang="de-DE" smtClean="0"/>
-              <a:t>26.02.2017</a:t>
+              <a:t>06.03.2017</a:t>
             </a:fld>
             <a:endParaRPr lang="de-DE"/>
           </a:p>
@@ -2062,7 +2051,6 @@
               <a:rPr lang="de-DE"/>
               <a:t>Titelmasterformat durch Klicken bearbeiten</a:t>
             </a:r>
-            <a:endParaRPr lang="de-DE"/>
           </a:p>
         </p:txBody>
       </p:sp>
@@ -2083,7 +2071,7 @@
           <a:p>
             <a:fld id="{5F3A38EC-96F4-4AA0-B65D-B2067C2A36B9}" type="datetimeFigureOut">
               <a:rPr lang="de-DE" smtClean="0"/>
-              <a:t>26.02.2017</a:t>
+              <a:t>06.03.2017</a:t>
             </a:fld>
             <a:endParaRPr lang="de-DE"/>
           </a:p>
@@ -2178,7 +2166,7 @@
           <a:p>
             <a:fld id="{5F3A38EC-96F4-4AA0-B65D-B2067C2A36B9}" type="datetimeFigureOut">
               <a:rPr lang="de-DE" smtClean="0"/>
-              <a:t>26.02.2017</a:t>
+              <a:t>06.03.2017</a:t>
             </a:fld>
             <a:endParaRPr lang="de-DE"/>
           </a:p>
@@ -2284,7 +2272,6 @@
               <a:rPr lang="de-DE"/>
               <a:t>Titelmasterformat durch Klicken bearbeiten</a:t>
             </a:r>
-            <a:endParaRPr lang="de-DE"/>
           </a:p>
         </p:txBody>
       </p:sp>
@@ -2369,7 +2356,6 @@
               <a:rPr lang="de-DE"/>
               <a:t>Fünfte Ebene</a:t>
             </a:r>
-            <a:endParaRPr lang="de-DE"/>
           </a:p>
         </p:txBody>
       </p:sp>
@@ -2455,7 +2441,7 @@
           <a:p>
             <a:fld id="{5F3A38EC-96F4-4AA0-B65D-B2067C2A36B9}" type="datetimeFigureOut">
               <a:rPr lang="de-DE" smtClean="0"/>
-              <a:t>26.02.2017</a:t>
+              <a:t>06.03.2017</a:t>
             </a:fld>
             <a:endParaRPr lang="de-DE"/>
           </a:p>
@@ -2561,7 +2547,6 @@
               <a:rPr lang="de-DE"/>
               <a:t>Titelmasterformat durch Klicken bearbeiten</a:t>
             </a:r>
-            <a:endParaRPr lang="de-DE"/>
           </a:p>
         </p:txBody>
       </p:sp>
@@ -2708,7 +2693,7 @@
           <a:p>
             <a:fld id="{5F3A38EC-96F4-4AA0-B65D-B2067C2A36B9}" type="datetimeFigureOut">
               <a:rPr lang="de-DE" smtClean="0"/>
-              <a:t>26.02.2017</a:t>
+              <a:t>06.03.2017</a:t>
             </a:fld>
             <a:endParaRPr lang="de-DE"/>
           </a:p>
@@ -2820,7 +2805,6 @@
               <a:rPr lang="de-DE"/>
               <a:t>Titelmasterformat durch Klicken bearbeiten</a:t>
             </a:r>
-            <a:endParaRPr lang="de-DE"/>
           </a:p>
         </p:txBody>
       </p:sp>
@@ -2882,7 +2866,6 @@
               <a:rPr lang="de-DE"/>
               <a:t>Fünfte Ebene</a:t>
             </a:r>
-            <a:endParaRPr lang="de-DE"/>
           </a:p>
         </p:txBody>
       </p:sp>
@@ -2921,7 +2904,7 @@
           <a:p>
             <a:fld id="{5F3A38EC-96F4-4AA0-B65D-B2067C2A36B9}" type="datetimeFigureOut">
               <a:rPr lang="de-DE" smtClean="0"/>
-              <a:t>26.02.2017</a:t>
+              <a:t>06.03.2017</a:t>
             </a:fld>
             <a:endParaRPr lang="de-DE"/>
           </a:p>
@@ -3424,13 +3407,8 @@
             </a:r>
             <a:r>
               <a:rPr lang="de-DE" dirty="0"/>
-              <a:t>: </a:t>
-            </a:r>
-            <a:r>
-              <a:rPr lang="de-DE" dirty="0" err="1"/>
-              <a:t>xxxxxxxx</a:t>
-            </a:r>
-            <a:endParaRPr lang="de-DE" dirty="0"/>
+              <a:t>: 2297920</a:t>
+            </a:r>
           </a:p>
         </p:txBody>
       </p:sp>
@@ -3488,7 +3466,7 @@
       </p:sp>
       <p:pic>
         <p:nvPicPr>
-          <p:cNvPr id="4" name="Inhaltsplatzhalter 3"/>
+          <p:cNvPr id="7" name="Inhaltsplatzhalter 6"/>
           <p:cNvPicPr>
             <a:picLocks noGrp="1" noChangeAspect="1"/>
           </p:cNvPicPr>
@@ -3510,8 +3488,8 @@
         </p:blipFill>
         <p:spPr>
           <a:xfrm>
-            <a:off x="838200" y="1471062"/>
-            <a:ext cx="6737018" cy="5265014"/>
+            <a:off x="2123235" y="1433740"/>
+            <a:ext cx="6516912" cy="5225932"/>
           </a:xfrm>
         </p:spPr>
       </p:pic>
@@ -3616,7 +3594,7 @@
           <a:p>
             <a:r>
               <a:rPr lang="de-DE" dirty="0"/>
-              <a:t>Fußgängertaster </a:t>
+              <a:t>Fußgängertaster inkl. Sperrzeit</a:t>
             </a:r>
           </a:p>
         </p:txBody>
@@ -3683,7 +3661,7 @@
             <p:ph idx="1"/>
             <p:extLst>
               <p:ext uri="{D42A27DB-BD31-4B8C-83A1-F6EECF244321}">
-                <p14:modId xmlns:p14="http://schemas.microsoft.com/office/powerpoint/2010/main" val="803484522"/>
+                <p14:modId xmlns:p14="http://schemas.microsoft.com/office/powerpoint/2010/main" val="3752479882"/>
               </p:ext>
             </p:extLst>
           </p:nvPr>
@@ -3756,12 +3734,23 @@
                     <a:lstStyle/>
                     <a:p>
                       <a:r>
-                        <a:rPr lang="de-DE" dirty="0"/>
+                        <a:rPr lang="de-DE" b="0" dirty="0">
+                          <a:solidFill>
+                            <a:schemeClr val="tx1"/>
+                          </a:solidFill>
+                        </a:rPr>
                         <a:t>Autoampel </a:t>
                       </a:r>
                     </a:p>
                   </a:txBody>
-                  <a:tcPr/>
+                  <a:tcPr>
+                    <a:solidFill>
+                      <a:schemeClr val="accent1">
+                        <a:lumMod val="20000"/>
+                        <a:lumOff val="80000"/>
+                      </a:schemeClr>
+                    </a:solidFill>
+                  </a:tcPr>
                 </a:tc>
                 <a:tc>
                   <a:txBody>
@@ -3770,12 +3759,23 @@
                     <a:p>
                       <a:pPr algn="ctr"/>
                       <a:r>
-                        <a:rPr lang="de-DE" dirty="0"/>
+                        <a:rPr lang="de-DE" b="0" dirty="0">
+                          <a:solidFill>
+                            <a:schemeClr val="tx1"/>
+                          </a:solidFill>
+                        </a:rPr>
                         <a:t>Rot</a:t>
                       </a:r>
                     </a:p>
                   </a:txBody>
-                  <a:tcPr/>
+                  <a:tcPr>
+                    <a:solidFill>
+                      <a:schemeClr val="accent1">
+                        <a:lumMod val="20000"/>
+                        <a:lumOff val="80000"/>
+                      </a:schemeClr>
+                    </a:solidFill>
+                  </a:tcPr>
                 </a:tc>
                 <a:tc>
                   <a:txBody>
@@ -3784,12 +3784,23 @@
                     <a:p>
                       <a:pPr algn="ctr"/>
                       <a:r>
-                        <a:rPr lang="de-DE" dirty="0"/>
+                        <a:rPr lang="de-DE" b="0" dirty="0">
+                          <a:solidFill>
+                            <a:schemeClr val="tx1"/>
+                          </a:solidFill>
+                        </a:rPr>
                         <a:t>Rot</a:t>
                       </a:r>
                     </a:p>
                   </a:txBody>
-                  <a:tcPr/>
+                  <a:tcPr>
+                    <a:solidFill>
+                      <a:schemeClr val="accent1">
+                        <a:lumMod val="20000"/>
+                        <a:lumOff val="80000"/>
+                      </a:schemeClr>
+                    </a:solidFill>
+                  </a:tcPr>
                 </a:tc>
                 <a:tc>
                   <a:txBody>
@@ -3798,12 +3809,23 @@
                     <a:p>
                       <a:pPr algn="ctr"/>
                       <a:r>
-                        <a:rPr lang="de-DE" dirty="0"/>
+                        <a:rPr lang="de-DE" b="0" dirty="0">
+                          <a:solidFill>
+                            <a:schemeClr val="tx1"/>
+                          </a:solidFill>
+                        </a:rPr>
                         <a:t>Rot &amp; Gelb</a:t>
                       </a:r>
                     </a:p>
                   </a:txBody>
-                  <a:tcPr/>
+                  <a:tcPr>
+                    <a:solidFill>
+                      <a:schemeClr val="accent1">
+                        <a:lumMod val="20000"/>
+                        <a:lumOff val="80000"/>
+                      </a:schemeClr>
+                    </a:solidFill>
+                  </a:tcPr>
                 </a:tc>
                 <a:tc>
                   <a:txBody>
@@ -3812,12 +3834,23 @@
                     <a:p>
                       <a:pPr algn="ctr"/>
                       <a:r>
-                        <a:rPr lang="de-DE" dirty="0"/>
+                        <a:rPr lang="de-DE" b="0" dirty="0">
+                          <a:solidFill>
+                            <a:schemeClr val="tx1"/>
+                          </a:solidFill>
+                        </a:rPr>
                         <a:t>Grün</a:t>
                       </a:r>
                     </a:p>
                   </a:txBody>
-                  <a:tcPr/>
+                  <a:tcPr>
+                    <a:solidFill>
+                      <a:schemeClr val="accent1">
+                        <a:lumMod val="20000"/>
+                        <a:lumOff val="80000"/>
+                      </a:schemeClr>
+                    </a:solidFill>
+                  </a:tcPr>
                 </a:tc>
                 <a:tc>
                   <a:txBody>
@@ -3826,12 +3859,23 @@
                     <a:p>
                       <a:pPr algn="ctr"/>
                       <a:r>
-                        <a:rPr lang="de-DE" dirty="0"/>
+                        <a:rPr lang="de-DE" b="0" dirty="0">
+                          <a:solidFill>
+                            <a:schemeClr val="tx1"/>
+                          </a:solidFill>
+                        </a:rPr>
                         <a:t>Gelb</a:t>
                       </a:r>
                     </a:p>
                   </a:txBody>
-                  <a:tcPr/>
+                  <a:tcPr>
+                    <a:solidFill>
+                      <a:schemeClr val="accent1">
+                        <a:lumMod val="20000"/>
+                        <a:lumOff val="80000"/>
+                      </a:schemeClr>
+                    </a:solidFill>
+                  </a:tcPr>
                 </a:tc>
                 <a:tc>
                   <a:txBody>
@@ -3840,12 +3884,23 @@
                     <a:p>
                       <a:pPr algn="ctr"/>
                       <a:r>
-                        <a:rPr lang="de-DE" dirty="0"/>
+                        <a:rPr lang="de-DE" b="0" dirty="0">
+                          <a:solidFill>
+                            <a:schemeClr val="tx1"/>
+                          </a:solidFill>
+                        </a:rPr>
                         <a:t>Rot</a:t>
                       </a:r>
                     </a:p>
                   </a:txBody>
-                  <a:tcPr/>
+                  <a:tcPr>
+                    <a:solidFill>
+                      <a:schemeClr val="accent1">
+                        <a:lumMod val="20000"/>
+                        <a:lumOff val="80000"/>
+                      </a:schemeClr>
+                    </a:solidFill>
+                  </a:tcPr>
                 </a:tc>
                 <a:extLst>
                   <a:ext uri="{0D108BD9-81ED-4DB2-BD59-A6C34878D82A}">
@@ -3861,11 +3916,25 @@
                     <a:p>
                       <a:r>
                         <a:rPr lang="de-DE" dirty="0"/>
-                        <a:t>Fußgängerampel</a:t>
+                        <a:t>Fußgänger-</a:t>
                       </a:r>
                     </a:p>
+                    <a:p>
+                      <a:r>
+                        <a:rPr lang="de-DE" dirty="0" err="1"/>
+                        <a:t>ampel</a:t>
+                      </a:r>
+                      <a:endParaRPr lang="de-DE" dirty="0"/>
+                    </a:p>
                   </a:txBody>
-                  <a:tcPr/>
+                  <a:tcPr>
+                    <a:solidFill>
+                      <a:schemeClr val="accent1">
+                        <a:lumMod val="20000"/>
+                        <a:lumOff val="80000"/>
+                      </a:schemeClr>
+                    </a:solidFill>
+                  </a:tcPr>
                 </a:tc>
                 <a:tc>
                   <a:txBody>
@@ -3879,7 +3948,14 @@
                       </a:r>
                     </a:p>
                   </a:txBody>
-                  <a:tcPr/>
+                  <a:tcPr>
+                    <a:solidFill>
+                      <a:schemeClr val="accent1">
+                        <a:lumMod val="20000"/>
+                        <a:lumOff val="80000"/>
+                      </a:schemeClr>
+                    </a:solidFill>
+                  </a:tcPr>
                 </a:tc>
                 <a:tc>
                   <a:txBody>
@@ -3893,7 +3969,14 @@
                       </a:r>
                     </a:p>
                   </a:txBody>
-                  <a:tcPr/>
+                  <a:tcPr>
+                    <a:solidFill>
+                      <a:schemeClr val="accent1">
+                        <a:lumMod val="20000"/>
+                        <a:lumOff val="80000"/>
+                      </a:schemeClr>
+                    </a:solidFill>
+                  </a:tcPr>
                 </a:tc>
                 <a:tc>
                   <a:txBody>
@@ -3907,7 +3990,14 @@
                       </a:r>
                     </a:p>
                   </a:txBody>
-                  <a:tcPr/>
+                  <a:tcPr>
+                    <a:solidFill>
+                      <a:schemeClr val="accent1">
+                        <a:lumMod val="20000"/>
+                        <a:lumOff val="80000"/>
+                      </a:schemeClr>
+                    </a:solidFill>
+                  </a:tcPr>
                 </a:tc>
                 <a:tc>
                   <a:txBody>
@@ -3921,7 +4011,14 @@
                       </a:r>
                     </a:p>
                   </a:txBody>
-                  <a:tcPr/>
+                  <a:tcPr>
+                    <a:solidFill>
+                      <a:schemeClr val="accent1">
+                        <a:lumMod val="20000"/>
+                        <a:lumOff val="80000"/>
+                      </a:schemeClr>
+                    </a:solidFill>
+                  </a:tcPr>
                 </a:tc>
                 <a:tc>
                   <a:txBody>
@@ -3935,7 +4032,14 @@
                       </a:r>
                     </a:p>
                   </a:txBody>
-                  <a:tcPr/>
+                  <a:tcPr>
+                    <a:solidFill>
+                      <a:schemeClr val="accent1">
+                        <a:lumMod val="20000"/>
+                        <a:lumOff val="80000"/>
+                      </a:schemeClr>
+                    </a:solidFill>
+                  </a:tcPr>
                 </a:tc>
                 <a:tc>
                   <a:txBody>
@@ -3949,7 +4053,14 @@
                       </a:r>
                     </a:p>
                   </a:txBody>
-                  <a:tcPr/>
+                  <a:tcPr>
+                    <a:solidFill>
+                      <a:schemeClr val="accent1">
+                        <a:lumMod val="20000"/>
+                        <a:lumOff val="80000"/>
+                      </a:schemeClr>
+                    </a:solidFill>
+                  </a:tcPr>
                 </a:tc>
                 <a:extLst>
                   <a:ext uri="{0D108BD9-81ED-4DB2-BD59-A6C34878D82A}">
@@ -3969,7 +4080,14 @@
                       </a:r>
                     </a:p>
                   </a:txBody>
-                  <a:tcPr/>
+                  <a:tcPr>
+                    <a:solidFill>
+                      <a:schemeClr val="accent1">
+                        <a:lumMod val="20000"/>
+                        <a:lumOff val="80000"/>
+                      </a:schemeClr>
+                    </a:solidFill>
+                  </a:tcPr>
                 </a:tc>
                 <a:tc>
                   <a:txBody>
@@ -3983,7 +4101,14 @@
                       </a:r>
                     </a:p>
                   </a:txBody>
-                  <a:tcPr/>
+                  <a:tcPr>
+                    <a:solidFill>
+                      <a:schemeClr val="accent1">
+                        <a:lumMod val="20000"/>
+                        <a:lumOff val="80000"/>
+                      </a:schemeClr>
+                    </a:solidFill>
+                  </a:tcPr>
                 </a:tc>
                 <a:tc>
                   <a:txBody>
@@ -3997,7 +4122,14 @@
                       </a:r>
                     </a:p>
                   </a:txBody>
-                  <a:tcPr/>
+                  <a:tcPr>
+                    <a:solidFill>
+                      <a:schemeClr val="accent1">
+                        <a:lumMod val="20000"/>
+                        <a:lumOff val="80000"/>
+                      </a:schemeClr>
+                    </a:solidFill>
+                  </a:tcPr>
                 </a:tc>
                 <a:tc>
                   <a:txBody>
@@ -4011,7 +4143,14 @@
                       </a:r>
                     </a:p>
                   </a:txBody>
-                  <a:tcPr/>
+                  <a:tcPr>
+                    <a:solidFill>
+                      <a:schemeClr val="accent1">
+                        <a:lumMod val="20000"/>
+                        <a:lumOff val="80000"/>
+                      </a:schemeClr>
+                    </a:solidFill>
+                  </a:tcPr>
                 </a:tc>
                 <a:tc>
                   <a:txBody>
@@ -4025,7 +4164,14 @@
                       </a:r>
                     </a:p>
                   </a:txBody>
-                  <a:tcPr/>
+                  <a:tcPr>
+                    <a:solidFill>
+                      <a:schemeClr val="accent1">
+                        <a:lumMod val="20000"/>
+                        <a:lumOff val="80000"/>
+                      </a:schemeClr>
+                    </a:solidFill>
+                  </a:tcPr>
                 </a:tc>
                 <a:tc>
                   <a:txBody>
@@ -4039,7 +4185,14 @@
                       </a:r>
                     </a:p>
                   </a:txBody>
-                  <a:tcPr/>
+                  <a:tcPr>
+                    <a:solidFill>
+                      <a:schemeClr val="accent1">
+                        <a:lumMod val="20000"/>
+                        <a:lumOff val="80000"/>
+                      </a:schemeClr>
+                    </a:solidFill>
+                  </a:tcPr>
                 </a:tc>
                 <a:tc>
                   <a:txBody>
@@ -4053,7 +4206,14 @@
                       </a:r>
                     </a:p>
                   </a:txBody>
-                  <a:tcPr/>
+                  <a:tcPr>
+                    <a:solidFill>
+                      <a:schemeClr val="accent1">
+                        <a:lumMod val="20000"/>
+                        <a:lumOff val="80000"/>
+                      </a:schemeClr>
+                    </a:solidFill>
+                  </a:tcPr>
                 </a:tc>
                 <a:extLst>
                   <a:ext uri="{0D108BD9-81ED-4DB2-BD59-A6C34878D82A}">
@@ -4074,7 +4234,7 @@
         <p:spPr>
           <a:xfrm>
             <a:off x="838199" y="1690688"/>
-            <a:ext cx="1753299" cy="369332"/>
+            <a:ext cx="3416560" cy="369332"/>
           </a:xfrm>
           <a:prstGeom prst="rect">
             <a:avLst/>
@@ -4088,8 +4248,8 @@
           <a:lstStyle/>
           <a:p>
             <a:r>
-              <a:rPr lang="de-DE" dirty="0"/>
-              <a:t>5 Bit Zähler</a:t>
+              <a:rPr lang="de-DE" b="1" dirty="0"/>
+              <a:t> 5 Bit Zähler für Ampelschaltung</a:t>
             </a:r>
           </a:p>
         </p:txBody>
@@ -4103,14 +4263,14 @@
           <p:nvPr>
             <p:extLst>
               <p:ext uri="{D42A27DB-BD31-4B8C-83A1-F6EECF244321}">
-                <p14:modId xmlns:p14="http://schemas.microsoft.com/office/powerpoint/2010/main" val="2722479888"/>
+                <p14:modId xmlns:p14="http://schemas.microsoft.com/office/powerpoint/2010/main" val="344488449"/>
               </p:ext>
             </p:extLst>
           </p:nvPr>
         </p:nvGraphicFramePr>
         <p:xfrm>
           <a:off x="838199" y="4201097"/>
-          <a:ext cx="8292084" cy="1483360"/>
+          <a:ext cx="10293989" cy="1752600"/>
         </p:xfrm>
         <a:graphic>
           <a:graphicData uri="http://schemas.openxmlformats.org/drawingml/2006/table">
@@ -4119,38 +4279,52 @@
                 <a:tableStyleId>{5C22544A-7EE6-4342-B048-85BDC9FD1C3A}</a:tableStyleId>
               </a:tblPr>
               <a:tblGrid>
-                <a:gridCol w="1789684">
+                <a:gridCol w="1595993">
                   <a:extLst>
                     <a:ext uri="{9D8B030D-6E8A-4147-A177-3AD203B41FA5}">
                       <a16:colId xmlns:a16="http://schemas.microsoft.com/office/drawing/2014/main" val="4108561764"/>
                     </a:ext>
                   </a:extLst>
                 </a:gridCol>
-                <a:gridCol w="1625600">
+                <a:gridCol w="1449666">
                   <a:extLst>
                     <a:ext uri="{9D8B030D-6E8A-4147-A177-3AD203B41FA5}">
                       <a16:colId xmlns:a16="http://schemas.microsoft.com/office/drawing/2014/main" val="1993647382"/>
                     </a:ext>
                   </a:extLst>
                 </a:gridCol>
-                <a:gridCol w="1625600">
+                <a:gridCol w="1449666">
                   <a:extLst>
                     <a:ext uri="{9D8B030D-6E8A-4147-A177-3AD203B41FA5}">
                       <a16:colId xmlns:a16="http://schemas.microsoft.com/office/drawing/2014/main" val="2874129910"/>
                     </a:ext>
                   </a:extLst>
                 </a:gridCol>
-                <a:gridCol w="1625600">
+                <a:gridCol w="1449666">
                   <a:extLst>
                     <a:ext uri="{9D8B030D-6E8A-4147-A177-3AD203B41FA5}">
                       <a16:colId xmlns:a16="http://schemas.microsoft.com/office/drawing/2014/main" val="2278252400"/>
                     </a:ext>
                   </a:extLst>
                 </a:gridCol>
-                <a:gridCol w="1625600">
+                <a:gridCol w="1449666">
                   <a:extLst>
                     <a:ext uri="{9D8B030D-6E8A-4147-A177-3AD203B41FA5}">
                       <a16:colId xmlns:a16="http://schemas.microsoft.com/office/drawing/2014/main" val="161952059"/>
+                    </a:ext>
+                  </a:extLst>
+                </a:gridCol>
+                <a:gridCol w="1449666">
+                  <a:extLst>
+                    <a:ext uri="{9D8B030D-6E8A-4147-A177-3AD203B41FA5}">
+                      <a16:colId xmlns:a16="http://schemas.microsoft.com/office/drawing/2014/main" val="3004220809"/>
+                    </a:ext>
+                  </a:extLst>
+                </a:gridCol>
+                <a:gridCol w="1449666">
+                  <a:extLst>
+                    <a:ext uri="{9D8B030D-6E8A-4147-A177-3AD203B41FA5}">
+                      <a16:colId xmlns:a16="http://schemas.microsoft.com/office/drawing/2014/main" val="3059191647"/>
                     </a:ext>
                   </a:extLst>
                 </a:gridCol>
@@ -4162,12 +4336,23 @@
                     <a:lstStyle/>
                     <a:p>
                       <a:r>
-                        <a:rPr lang="de-DE" dirty="0"/>
+                        <a:rPr lang="de-DE" b="0" dirty="0">
+                          <a:solidFill>
+                            <a:schemeClr val="tx1"/>
+                          </a:solidFill>
+                        </a:rPr>
                         <a:t>Autoampel</a:t>
                       </a:r>
                     </a:p>
                   </a:txBody>
-                  <a:tcPr/>
+                  <a:tcPr>
+                    <a:solidFill>
+                      <a:schemeClr val="accent1">
+                        <a:lumMod val="20000"/>
+                        <a:lumOff val="80000"/>
+                      </a:schemeClr>
+                    </a:solidFill>
+                  </a:tcPr>
                 </a:tc>
                 <a:tc>
                   <a:txBody>
@@ -4176,12 +4361,23 @@
                     <a:p>
                       <a:pPr algn="ctr"/>
                       <a:r>
-                        <a:rPr lang="de-DE" dirty="0"/>
-                        <a:t>Grün</a:t>
+                        <a:rPr lang="de-DE" b="0" dirty="0">
+                          <a:solidFill>
+                            <a:schemeClr val="tx1"/>
+                          </a:solidFill>
+                        </a:rPr>
+                        <a:t>Rot</a:t>
                       </a:r>
                     </a:p>
                   </a:txBody>
-                  <a:tcPr/>
+                  <a:tcPr>
+                    <a:solidFill>
+                      <a:schemeClr val="accent1">
+                        <a:lumMod val="20000"/>
+                        <a:lumOff val="80000"/>
+                      </a:schemeClr>
+                    </a:solidFill>
+                  </a:tcPr>
                 </a:tc>
                 <a:tc>
                   <a:txBody>
@@ -4190,12 +4386,23 @@
                     <a:p>
                       <a:pPr algn="ctr"/>
                       <a:r>
-                        <a:rPr lang="de-DE" dirty="0"/>
-                        <a:t>Gelb</a:t>
+                        <a:rPr lang="de-DE" b="0" dirty="0">
+                          <a:solidFill>
+                            <a:schemeClr val="tx1"/>
+                          </a:solidFill>
+                        </a:rPr>
+                        <a:t>Rot</a:t>
                       </a:r>
                     </a:p>
                   </a:txBody>
-                  <a:tcPr/>
+                  <a:tcPr>
+                    <a:solidFill>
+                      <a:schemeClr val="accent1">
+                        <a:lumMod val="20000"/>
+                        <a:lumOff val="80000"/>
+                      </a:schemeClr>
+                    </a:solidFill>
+                  </a:tcPr>
                 </a:tc>
                 <a:tc>
                   <a:txBody>
@@ -4204,12 +4411,23 @@
                     <a:p>
                       <a:pPr algn="ctr"/>
                       <a:r>
-                        <a:rPr lang="de-DE" dirty="0"/>
-                        <a:t>Rot</a:t>
+                        <a:rPr lang="de-DE" b="0" dirty="0">
+                          <a:solidFill>
+                            <a:schemeClr val="tx1"/>
+                          </a:solidFill>
+                        </a:rPr>
+                        <a:t>Rot &amp; Gelb</a:t>
                       </a:r>
                     </a:p>
                   </a:txBody>
-                  <a:tcPr/>
+                  <a:tcPr>
+                    <a:solidFill>
+                      <a:schemeClr val="accent1">
+                        <a:lumMod val="20000"/>
+                        <a:lumOff val="80000"/>
+                      </a:schemeClr>
+                    </a:solidFill>
+                  </a:tcPr>
                 </a:tc>
                 <a:tc>
                   <a:txBody>
@@ -4218,12 +4436,73 @@
                     <a:p>
                       <a:pPr algn="ctr"/>
                       <a:r>
-                        <a:rPr lang="de-DE" dirty="0"/>
+                        <a:rPr lang="de-DE" b="0" dirty="0">
+                          <a:solidFill>
+                            <a:schemeClr val="tx1"/>
+                          </a:solidFill>
+                        </a:rPr>
+                        <a:t>Grün</a:t>
+                      </a:r>
+                    </a:p>
+                  </a:txBody>
+                  <a:tcPr>
+                    <a:solidFill>
+                      <a:schemeClr val="accent1">
+                        <a:lumMod val="20000"/>
+                        <a:lumOff val="80000"/>
+                      </a:schemeClr>
+                    </a:solidFill>
+                  </a:tcPr>
+                </a:tc>
+                <a:tc>
+                  <a:txBody>
+                    <a:bodyPr/>
+                    <a:lstStyle/>
+                    <a:p>
+                      <a:pPr algn="ctr"/>
+                      <a:r>
+                        <a:rPr lang="de-DE" b="0" dirty="0">
+                          <a:solidFill>
+                            <a:schemeClr val="tx1"/>
+                          </a:solidFill>
+                        </a:rPr>
+                        <a:t>Gelb</a:t>
+                      </a:r>
+                    </a:p>
+                  </a:txBody>
+                  <a:tcPr>
+                    <a:solidFill>
+                      <a:schemeClr val="accent1">
+                        <a:lumMod val="20000"/>
+                        <a:lumOff val="80000"/>
+                      </a:schemeClr>
+                    </a:solidFill>
+                  </a:tcPr>
+                </a:tc>
+                <a:tc>
+                  <a:txBody>
+                    <a:bodyPr/>
+                    <a:lstStyle/>
+                    <a:p>
+                      <a:pPr algn="ctr"/>
+                      <a:r>
+                        <a:rPr lang="de-DE" b="0" dirty="0">
+                          <a:solidFill>
+                            <a:schemeClr val="tx1"/>
+                          </a:solidFill>
+                        </a:rPr>
                         <a:t>Rot</a:t>
                       </a:r>
                     </a:p>
                   </a:txBody>
-                  <a:tcPr/>
+                  <a:tcPr>
+                    <a:solidFill>
+                      <a:schemeClr val="accent1">
+                        <a:lumMod val="20000"/>
+                        <a:lumOff val="80000"/>
+                      </a:schemeClr>
+                    </a:solidFill>
+                  </a:tcPr>
                 </a:tc>
                 <a:extLst>
                   <a:ext uri="{0D108BD9-81ED-4DB2-BD59-A6C34878D82A}">
@@ -4239,11 +4518,46 @@
                     <a:p>
                       <a:r>
                         <a:rPr lang="de-DE" dirty="0"/>
-                        <a:t>Fußgängerampel</a:t>
+                        <a:t>Fußgänger-</a:t>
+                      </a:r>
+                    </a:p>
+                    <a:p>
+                      <a:r>
+                        <a:rPr lang="de-DE" dirty="0" err="1"/>
+                        <a:t>ampel</a:t>
+                      </a:r>
+                      <a:endParaRPr lang="de-DE" dirty="0"/>
+                    </a:p>
+                  </a:txBody>
+                  <a:tcPr>
+                    <a:solidFill>
+                      <a:schemeClr val="accent1">
+                        <a:lumMod val="20000"/>
+                        <a:lumOff val="80000"/>
+                      </a:schemeClr>
+                    </a:solidFill>
+                  </a:tcPr>
+                </a:tc>
+                <a:tc>
+                  <a:txBody>
+                    <a:bodyPr/>
+                    <a:lstStyle/>
+                    <a:p>
+                      <a:pPr algn="ctr"/>
+                      <a:r>
+                        <a:rPr lang="de-DE" dirty="0"/>
+                        <a:t>Grün</a:t>
                       </a:r>
                     </a:p>
                   </a:txBody>
-                  <a:tcPr/>
+                  <a:tcPr>
+                    <a:solidFill>
+                      <a:schemeClr val="accent1">
+                        <a:lumMod val="20000"/>
+                        <a:lumOff val="80000"/>
+                      </a:schemeClr>
+                    </a:solidFill>
+                  </a:tcPr>
                 </a:tc>
                 <a:tc>
                   <a:txBody>
@@ -4257,7 +4571,14 @@
                       </a:r>
                     </a:p>
                   </a:txBody>
-                  <a:tcPr/>
+                  <a:tcPr>
+                    <a:solidFill>
+                      <a:schemeClr val="accent1">
+                        <a:lumMod val="20000"/>
+                        <a:lumOff val="80000"/>
+                      </a:schemeClr>
+                    </a:solidFill>
+                  </a:tcPr>
                 </a:tc>
                 <a:tc>
                   <a:txBody>
@@ -4271,7 +4592,14 @@
                       </a:r>
                     </a:p>
                   </a:txBody>
-                  <a:tcPr/>
+                  <a:tcPr>
+                    <a:solidFill>
+                      <a:schemeClr val="accent1">
+                        <a:lumMod val="20000"/>
+                        <a:lumOff val="80000"/>
+                      </a:schemeClr>
+                    </a:solidFill>
+                  </a:tcPr>
                 </a:tc>
                 <a:tc>
                   <a:txBody>
@@ -4285,7 +4613,14 @@
                       </a:r>
                     </a:p>
                   </a:txBody>
-                  <a:tcPr/>
+                  <a:tcPr>
+                    <a:solidFill>
+                      <a:schemeClr val="accent1">
+                        <a:lumMod val="20000"/>
+                        <a:lumOff val="80000"/>
+                      </a:schemeClr>
+                    </a:solidFill>
+                  </a:tcPr>
                 </a:tc>
                 <a:tc>
                   <a:txBody>
@@ -4295,11 +4630,39 @@
                       <a:pPr algn="ctr"/>
                       <a:r>
                         <a:rPr lang="de-DE" dirty="0"/>
-                        <a:t>Grün</a:t>
+                        <a:t>Rot</a:t>
                       </a:r>
                     </a:p>
                   </a:txBody>
-                  <a:tcPr/>
+                  <a:tcPr>
+                    <a:solidFill>
+                      <a:schemeClr val="accent1">
+                        <a:lumMod val="20000"/>
+                        <a:lumOff val="80000"/>
+                      </a:schemeClr>
+                    </a:solidFill>
+                  </a:tcPr>
+                </a:tc>
+                <a:tc>
+                  <a:txBody>
+                    <a:bodyPr/>
+                    <a:lstStyle/>
+                    <a:p>
+                      <a:pPr algn="ctr"/>
+                      <a:r>
+                        <a:rPr lang="de-DE" dirty="0"/>
+                        <a:t>Rot</a:t>
+                      </a:r>
+                    </a:p>
+                  </a:txBody>
+                  <a:tcPr>
+                    <a:solidFill>
+                      <a:schemeClr val="accent1">
+                        <a:lumMod val="20000"/>
+                        <a:lumOff val="80000"/>
+                      </a:schemeClr>
+                    </a:solidFill>
+                  </a:tcPr>
                 </a:tc>
                 <a:extLst>
                   <a:ext uri="{0D108BD9-81ED-4DB2-BD59-A6C34878D82A}">
@@ -4336,21 +4699,14 @@
                       </a:r>
                     </a:p>
                   </a:txBody>
-                  <a:tcPr/>
-                </a:tc>
-                <a:tc>
-                  <a:txBody>
-                    <a:bodyPr/>
-                    <a:lstStyle/>
-                    <a:p>
-                      <a:pPr algn="ctr"/>
-                      <a:r>
-                        <a:rPr lang="de-DE" dirty="0"/>
-                        <a:t>Frei</a:t>
-                      </a:r>
-                    </a:p>
-                  </a:txBody>
-                  <a:tcPr/>
+                  <a:tcPr>
+                    <a:solidFill>
+                      <a:schemeClr val="accent1">
+                        <a:lumMod val="20000"/>
+                        <a:lumOff val="80000"/>
+                      </a:schemeClr>
+                    </a:solidFill>
+                  </a:tcPr>
                 </a:tc>
                 <a:tc>
                   <a:txBody>
@@ -4380,7 +4736,14 @@
                       </a:r>
                     </a:p>
                   </a:txBody>
-                  <a:tcPr/>
+                  <a:tcPr>
+                    <a:solidFill>
+                      <a:schemeClr val="accent1">
+                        <a:lumMod val="20000"/>
+                        <a:lumOff val="80000"/>
+                      </a:schemeClr>
+                    </a:solidFill>
+                  </a:tcPr>
                 </a:tc>
                 <a:tc>
                   <a:txBody>
@@ -4410,7 +4773,14 @@
                       </a:r>
                     </a:p>
                   </a:txBody>
-                  <a:tcPr/>
+                  <a:tcPr>
+                    <a:solidFill>
+                      <a:schemeClr val="accent1">
+                        <a:lumMod val="20000"/>
+                        <a:lumOff val="80000"/>
+                      </a:schemeClr>
+                    </a:solidFill>
+                  </a:tcPr>
                 </a:tc>
                 <a:tc>
                   <a:txBody>
@@ -4440,7 +4810,109 @@
                       </a:r>
                     </a:p>
                   </a:txBody>
-                  <a:tcPr/>
+                  <a:tcPr>
+                    <a:solidFill>
+                      <a:schemeClr val="accent1">
+                        <a:lumMod val="20000"/>
+                        <a:lumOff val="80000"/>
+                      </a:schemeClr>
+                    </a:solidFill>
+                  </a:tcPr>
+                </a:tc>
+                <a:tc>
+                  <a:txBody>
+                    <a:bodyPr/>
+                    <a:lstStyle/>
+                    <a:p>
+                      <a:pPr algn="ctr"/>
+                      <a:r>
+                        <a:rPr lang="de-DE" dirty="0"/>
+                        <a:t>Frei</a:t>
+                      </a:r>
+                    </a:p>
+                  </a:txBody>
+                  <a:tcPr>
+                    <a:solidFill>
+                      <a:schemeClr val="accent1">
+                        <a:lumMod val="20000"/>
+                        <a:lumOff val="80000"/>
+                      </a:schemeClr>
+                    </a:solidFill>
+                  </a:tcPr>
+                </a:tc>
+                <a:tc>
+                  <a:txBody>
+                    <a:bodyPr/>
+                    <a:lstStyle/>
+                    <a:p>
+                      <a:pPr marL="0" marR="0" lvl="0" indent="0" algn="ctr" defTabSz="914400" rtl="0" eaLnBrk="1" fontAlgn="auto" latinLnBrk="0" hangingPunct="1">
+                        <a:lnSpc>
+                          <a:spcPct val="100000"/>
+                        </a:lnSpc>
+                        <a:spcBef>
+                          <a:spcPts val="0"/>
+                        </a:spcBef>
+                        <a:spcAft>
+                          <a:spcPts val="0"/>
+                        </a:spcAft>
+                        <a:buClrTx/>
+                        <a:buSzTx/>
+                        <a:buFontTx/>
+                        <a:buNone/>
+                        <a:tabLst/>
+                        <a:defRPr/>
+                      </a:pPr>
+                      <a:r>
+                        <a:rPr lang="de-DE" dirty="0"/>
+                        <a:t>Blockiert</a:t>
+                      </a:r>
+                    </a:p>
+                  </a:txBody>
+                  <a:tcPr>
+                    <a:solidFill>
+                      <a:schemeClr val="accent1">
+                        <a:lumMod val="20000"/>
+                        <a:lumOff val="80000"/>
+                      </a:schemeClr>
+                    </a:solidFill>
+                  </a:tcPr>
+                </a:tc>
+                <a:tc>
+                  <a:txBody>
+                    <a:bodyPr/>
+                    <a:lstStyle/>
+                    <a:p>
+                      <a:pPr marL="0" marR="0" lvl="0" indent="0" algn="ctr" defTabSz="914400" rtl="0" eaLnBrk="1" fontAlgn="auto" latinLnBrk="0" hangingPunct="1">
+                        <a:lnSpc>
+                          <a:spcPct val="100000"/>
+                        </a:lnSpc>
+                        <a:spcBef>
+                          <a:spcPts val="0"/>
+                        </a:spcBef>
+                        <a:spcAft>
+                          <a:spcPts val="0"/>
+                        </a:spcAft>
+                        <a:buClrTx/>
+                        <a:buSzTx/>
+                        <a:buFontTx/>
+                        <a:buNone/>
+                        <a:tabLst/>
+                        <a:defRPr/>
+                      </a:pPr>
+                      <a:r>
+                        <a:rPr lang="de-DE" dirty="0"/>
+                        <a:t>Blockiert</a:t>
+                      </a:r>
+                    </a:p>
+                  </a:txBody>
+                  <a:tcPr>
+                    <a:solidFill>
+                      <a:schemeClr val="accent1">
+                        <a:lumMod val="20000"/>
+                        <a:lumOff val="80000"/>
+                      </a:schemeClr>
+                    </a:solidFill>
+                  </a:tcPr>
                 </a:tc>
                 <a:extLst>
                   <a:ext uri="{0D108BD9-81ED-4DB2-BD59-A6C34878D82A}">
@@ -4460,7 +4932,14 @@
                       </a:r>
                     </a:p>
                   </a:txBody>
-                  <a:tcPr/>
+                  <a:tcPr>
+                    <a:solidFill>
+                      <a:schemeClr val="accent1">
+                        <a:lumMod val="20000"/>
+                        <a:lumOff val="80000"/>
+                      </a:schemeClr>
+                    </a:solidFill>
+                  </a:tcPr>
                 </a:tc>
                 <a:tc>
                   <a:txBody>
@@ -4470,11 +4949,81 @@
                       <a:pPr algn="ctr"/>
                       <a:r>
                         <a:rPr lang="de-DE" dirty="0"/>
-                        <a:t>26-28</a:t>
+                        <a:t>0-9</a:t>
                       </a:r>
                     </a:p>
                   </a:txBody>
-                  <a:tcPr/>
+                  <a:tcPr>
+                    <a:solidFill>
+                      <a:schemeClr val="accent1">
+                        <a:lumMod val="20000"/>
+                        <a:lumOff val="80000"/>
+                      </a:schemeClr>
+                    </a:solidFill>
+                  </a:tcPr>
+                </a:tc>
+                <a:tc>
+                  <a:txBody>
+                    <a:bodyPr/>
+                    <a:lstStyle/>
+                    <a:p>
+                      <a:pPr algn="ctr"/>
+                      <a:r>
+                        <a:rPr lang="de-DE" dirty="0"/>
+                        <a:t>10</a:t>
+                      </a:r>
+                    </a:p>
+                  </a:txBody>
+                  <a:tcPr>
+                    <a:solidFill>
+                      <a:schemeClr val="accent1">
+                        <a:lumMod val="20000"/>
+                        <a:lumOff val="80000"/>
+                      </a:schemeClr>
+                    </a:solidFill>
+                  </a:tcPr>
+                </a:tc>
+                <a:tc>
+                  <a:txBody>
+                    <a:bodyPr/>
+                    <a:lstStyle/>
+                    <a:p>
+                      <a:pPr algn="ctr"/>
+                      <a:r>
+                        <a:rPr lang="de-DE" dirty="0"/>
+                        <a:t>11</a:t>
+                      </a:r>
+                    </a:p>
+                  </a:txBody>
+                  <a:tcPr>
+                    <a:solidFill>
+                      <a:schemeClr val="accent1">
+                        <a:lumMod val="20000"/>
+                        <a:lumOff val="80000"/>
+                      </a:schemeClr>
+                    </a:solidFill>
+                  </a:tcPr>
+                </a:tc>
+                <a:tc>
+                  <a:txBody>
+                    <a:bodyPr/>
+                    <a:lstStyle/>
+                    <a:p>
+                      <a:pPr algn="ctr"/>
+                      <a:r>
+                        <a:rPr lang="de-DE" dirty="0"/>
+                        <a:t>12-28</a:t>
+                      </a:r>
+                    </a:p>
+                  </a:txBody>
+                  <a:tcPr>
+                    <a:solidFill>
+                      <a:schemeClr val="accent1">
+                        <a:lumMod val="20000"/>
+                        <a:lumOff val="80000"/>
+                      </a:schemeClr>
+                    </a:solidFill>
+                  </a:tcPr>
                 </a:tc>
                 <a:tc>
                   <a:txBody>
@@ -4488,7 +5037,14 @@
                       </a:r>
                     </a:p>
                   </a:txBody>
-                  <a:tcPr/>
+                  <a:tcPr>
+                    <a:solidFill>
+                      <a:schemeClr val="accent1">
+                        <a:lumMod val="20000"/>
+                        <a:lumOff val="80000"/>
+                      </a:schemeClr>
+                    </a:solidFill>
+                  </a:tcPr>
                 </a:tc>
                 <a:tc>
                   <a:txBody>
@@ -4502,21 +5058,14 @@
                       </a:r>
                     </a:p>
                   </a:txBody>
-                  <a:tcPr/>
-                </a:tc>
-                <a:tc>
-                  <a:txBody>
-                    <a:bodyPr/>
-                    <a:lstStyle/>
-                    <a:p>
-                      <a:pPr algn="ctr"/>
-                      <a:r>
-                        <a:rPr lang="de-DE" dirty="0"/>
-                        <a:t>0-9</a:t>
-                      </a:r>
-                    </a:p>
-                  </a:txBody>
-                  <a:tcPr/>
+                  <a:tcPr>
+                    <a:solidFill>
+                      <a:schemeClr val="accent1">
+                        <a:lumMod val="20000"/>
+                        <a:lumOff val="80000"/>
+                      </a:schemeClr>
+                    </a:solidFill>
+                  </a:tcPr>
                 </a:tc>
                 <a:extLst>
                   <a:ext uri="{0D108BD9-81ED-4DB2-BD59-A6C34878D82A}">
@@ -4537,7 +5086,7 @@
         <p:spPr>
           <a:xfrm>
             <a:off x="838199" y="3831765"/>
-            <a:ext cx="1249509" cy="369332"/>
+            <a:ext cx="3216714" cy="369332"/>
           </a:xfrm>
           <a:prstGeom prst="rect">
             <a:avLst/>
@@ -4550,8 +5099,8 @@
           <a:lstStyle/>
           <a:p>
             <a:r>
-              <a:rPr lang="de-DE" dirty="0"/>
-              <a:t>3 Bit Zähler</a:t>
+              <a:rPr lang="de-DE" b="1" dirty="0"/>
+              <a:t>3 Bit Zähler für Fußgängertaster</a:t>
             </a:r>
           </a:p>
         </p:txBody>
@@ -4564,8 +5113,8 @@
         </p:nvSpPr>
         <p:spPr>
           <a:xfrm>
-            <a:off x="6962830" y="3831765"/>
-            <a:ext cx="2167453" cy="369332"/>
+            <a:off x="9033567" y="5953697"/>
+            <a:ext cx="2198935" cy="369332"/>
           </a:xfrm>
           <a:prstGeom prst="rect">
             <a:avLst/>
@@ -4578,9 +5127,44 @@
           <a:lstStyle/>
           <a:p>
             <a:r>
-              <a:rPr lang="de-DE" dirty="0"/>
+              <a:rPr lang="de-DE" b="1" dirty="0"/>
               <a:t>Sperrzeit 7 Sekunden</a:t>
             </a:r>
+          </a:p>
+        </p:txBody>
+      </p:sp>
+      <p:sp>
+        <p:nvSpPr>
+          <p:cNvPr id="9" name="Rechteck 8"/>
+          <p:cNvSpPr/>
+          <p:nvPr/>
+        </p:nvSpPr>
+        <p:spPr>
+          <a:xfrm>
+            <a:off x="838199" y="5953697"/>
+            <a:ext cx="3025957" cy="369332"/>
+          </a:xfrm>
+          <a:prstGeom prst="rect">
+            <a:avLst/>
+          </a:prstGeom>
+        </p:spPr>
+        <p:txBody>
+          <a:bodyPr wrap="none">
+            <a:spAutoFit/>
+          </a:bodyPr>
+          <a:lstStyle/>
+          <a:p>
+            <a:r>
+              <a:rPr lang="de-DE" b="1" dirty="0"/>
+              <a:t>Fußgängertaster </a:t>
+            </a:r>
+            <a:r>
+              <a:rPr lang="de-DE" b="1" dirty="0">
+                <a:sym typeface="Wingdings" panose="05000000000000000000" pitchFamily="2" charset="2"/>
+              </a:rPr>
+              <a:t> Zähler: 26</a:t>
+            </a:r>
+            <a:endParaRPr lang="de-DE" b="1" dirty="0"/>
           </a:p>
         </p:txBody>
       </p:sp>
@@ -4633,7 +5217,6 @@
               <a:rPr lang="de-DE" b="1" dirty="0"/>
               <a:t>SCHALTUNG: Autoampel Rot</a:t>
             </a:r>
-            <a:endParaRPr lang="de-DE" b="1" dirty="0"/>
           </a:p>
         </p:txBody>
       </p:sp>
@@ -4797,7 +5380,6 @@
               <a:rPr lang="de-DE" b="1" dirty="0"/>
               <a:t>SCHALTUNG: Autoampel Grün</a:t>
             </a:r>
-            <a:endParaRPr lang="de-DE" b="1" dirty="0"/>
           </a:p>
         </p:txBody>
       </p:sp>
@@ -4877,15 +5459,14 @@
           <a:p>
             <a:r>
               <a:rPr lang="de-DE" b="1" dirty="0"/>
-              <a:t>SCHALTUNG: Fußgänger Rot</a:t>
-            </a:r>
-            <a:endParaRPr lang="de-DE" b="1" dirty="0"/>
+              <a:t>SCHALTUNG: Fußgänger Grün</a:t>
+            </a:r>
           </a:p>
         </p:txBody>
       </p:sp>
       <p:pic>
         <p:nvPicPr>
-          <p:cNvPr id="4" name="Inhaltsplatzhalter 3"/>
+          <p:cNvPr id="7" name="Inhaltsplatzhalter 6"/>
           <p:cNvPicPr>
             <a:picLocks noGrp="1" noChangeAspect="1"/>
           </p:cNvPicPr>
@@ -4907,15 +5488,15 @@
         </p:blipFill>
         <p:spPr>
           <a:xfrm>
-            <a:off x="838200" y="1936230"/>
-            <a:ext cx="6620799" cy="2562583"/>
+            <a:off x="980481" y="1803047"/>
+            <a:ext cx="8355430" cy="4559904"/>
           </a:xfrm>
         </p:spPr>
       </p:pic>
     </p:spTree>
     <p:extLst>
       <p:ext uri="{BB962C8B-B14F-4D97-AF65-F5344CB8AC3E}">
-        <p14:creationId xmlns:p14="http://schemas.microsoft.com/office/powerpoint/2010/main" val="1528990319"/>
+        <p14:creationId xmlns:p14="http://schemas.microsoft.com/office/powerpoint/2010/main" val="1727024689"/>
       </p:ext>
     </p:extLst>
   </p:cSld>
@@ -4959,15 +5540,14 @@
           <a:p>
             <a:r>
               <a:rPr lang="de-DE" b="1" dirty="0"/>
-              <a:t>SCHALTUNG: Fußgänger Grün</a:t>
-            </a:r>
-            <a:endParaRPr lang="de-DE" b="1" dirty="0"/>
+              <a:t>SCHALTUNG: Fußgänger Rot</a:t>
+            </a:r>
           </a:p>
         </p:txBody>
       </p:sp>
       <p:pic>
         <p:nvPicPr>
-          <p:cNvPr id="4" name="Inhaltsplatzhalter 3"/>
+          <p:cNvPr id="11" name="Inhaltsplatzhalter 10"/>
           <p:cNvPicPr>
             <a:picLocks noGrp="1" noChangeAspect="1"/>
           </p:cNvPicPr>
@@ -4989,15 +5569,15 @@
         </p:blipFill>
         <p:spPr>
           <a:xfrm>
-            <a:off x="838200" y="1573698"/>
-            <a:ext cx="8263960" cy="4351338"/>
+            <a:off x="1101286" y="1897969"/>
+            <a:ext cx="9578937" cy="3746475"/>
           </a:xfrm>
         </p:spPr>
       </p:pic>
     </p:spTree>
     <p:extLst>
       <p:ext uri="{BB962C8B-B14F-4D97-AF65-F5344CB8AC3E}">
-        <p14:creationId xmlns:p14="http://schemas.microsoft.com/office/powerpoint/2010/main" val="1727024689"/>
+        <p14:creationId xmlns:p14="http://schemas.microsoft.com/office/powerpoint/2010/main" val="1528990319"/>
       </p:ext>
     </p:extLst>
   </p:cSld>
@@ -5048,7 +5628,7 @@
       </p:sp>
       <p:pic>
         <p:nvPicPr>
-          <p:cNvPr id="4" name="Inhaltsplatzhalter 3"/>
+          <p:cNvPr id="7" name="Inhaltsplatzhalter 6"/>
           <p:cNvPicPr>
             <a:picLocks noGrp="1" noChangeAspect="1"/>
           </p:cNvPicPr>
@@ -5070,8 +5650,8 @@
         </p:blipFill>
         <p:spPr>
           <a:xfrm>
-            <a:off x="960671" y="1825625"/>
-            <a:ext cx="10270658" cy="4351338"/>
+            <a:off x="838200" y="1929919"/>
+            <a:ext cx="10515600" cy="4142749"/>
           </a:xfrm>
         </p:spPr>
       </p:pic>
